--- a/Lectures/7. WWW, HTTP and HTML/HTML-Tables-Forms.pptx
+++ b/Lectures/7. WWW, HTTP and HTML/HTML-Tables-Forms.pptx
@@ -299,7 +299,7 @@
             <a:fld id="{3BF7C7B5-275F-4D1F-9AB4-9255447DBC73}" type="datetimeFigureOut">
               <a:rPr lang="en-US"/>
               <a:pPr/>
-              <a:t>6/28/2011</a:t>
+              <a:t>21-Nov-11</a:t>
             </a:fld>
             <a:endParaRPr lang="en-US" dirty="0"/>
           </a:p>
@@ -530,7 +530,7 @@
             <a:fld id="{9B46F231-FB2B-4655-A644-E2477325E686}" type="datetimeFigureOut">
               <a:rPr lang="en-US"/>
               <a:pPr/>
-              <a:t>6/28/2011</a:t>
+              <a:t>21-Nov-11</a:t>
             </a:fld>
             <a:endParaRPr lang="en-US" dirty="0"/>
           </a:p>
@@ -30475,9 +30475,10 @@
           <a:lstStyle/>
           <a:p>
             <a:r>
-              <a:rPr lang="en-US" dirty="0"/>
-              <a:t>Exercises</a:t>
-            </a:r>
+              <a:rPr lang="en-US" dirty="0" smtClean="0"/>
+              <a:t>Homework</a:t>
+            </a:r>
+            <a:endParaRPr lang="en-US" dirty="0"/>
           </a:p>
         </p:txBody>
       </p:sp>
@@ -30845,7 +30846,7 @@
           <a:p>
             <a:pPr marL="514350" indent="-514350">
               <a:buFont typeface="+mj-lt"/>
-              <a:buAutoNum type="arabicPeriod"/>
+              <a:buAutoNum type="arabicPeriod" startAt="6"/>
               <a:defRPr/>
             </a:pPr>
             <a:r>
@@ -30861,7 +30862,7 @@
           <a:p>
             <a:pPr marL="514350" indent="-514350">
               <a:buFont typeface="+mj-lt"/>
-              <a:buAutoNum type="arabicPeriod"/>
+              <a:buAutoNum type="arabicPeriod" startAt="6"/>
               <a:defRPr/>
             </a:pPr>
             <a:endParaRPr lang="en-US" sz="2800" dirty="0"/>
@@ -31173,7 +31174,7 @@
           <a:p>
             <a:pPr marL="514350" indent="-514350">
               <a:buFont typeface="+mj-lt"/>
-              <a:buAutoNum type="arabicPeriod" startAt="2"/>
+              <a:buAutoNum type="arabicPeriod" startAt="7"/>
               <a:defRPr/>
             </a:pPr>
             <a:r>
@@ -31306,7 +31307,11 @@
             </a:pPr>
             <a:r>
               <a:rPr lang="en-US" dirty="0" smtClean="0"/>
-              <a:t>Exercises (2)</a:t>
+              <a:t>Homework </a:t>
+            </a:r>
+            <a:r>
+              <a:rPr lang="en-US" dirty="0" smtClean="0"/>
+              <a:t>(2)</a:t>
             </a:r>
             <a:endParaRPr lang="bg-BG" dirty="0" smtClean="0"/>
           </a:p>
@@ -31334,7 +31339,7 @@
           <a:p>
             <a:pPr marL="514350" indent="-514350">
               <a:buFont typeface="+mj-lt"/>
-              <a:buAutoNum type="arabicPeriod" startAt="3"/>
+              <a:buAutoNum type="arabicPeriod" startAt="8"/>
               <a:defRPr/>
             </a:pPr>
             <a:r>
